--- a/Проект Webserver_презентация.pptx
+++ b/Проект Webserver_презентация.pptx
@@ -344,7 +344,7 @@
           <a:p>
             <a:fld id="{55866227-17E6-4C99-A3D0-D48831693C74}" type="datetimeFigureOut">
               <a:rPr lang="ru-RU" smtClean="0"/>
-              <a:t>28.03.2019</a:t>
+              <a:t>30.03.2019</a:t>
             </a:fld>
             <a:endParaRPr lang="ru-RU"/>
           </a:p>
@@ -552,7 +552,7 @@
           <a:p>
             <a:fld id="{55866227-17E6-4C99-A3D0-D48831693C74}" type="datetimeFigureOut">
               <a:rPr lang="ru-RU" smtClean="0"/>
-              <a:t>28.03.2019</a:t>
+              <a:t>30.03.2019</a:t>
             </a:fld>
             <a:endParaRPr lang="ru-RU"/>
           </a:p>
@@ -808,7 +808,7 @@
           <a:p>
             <a:fld id="{55866227-17E6-4C99-A3D0-D48831693C74}" type="datetimeFigureOut">
               <a:rPr lang="ru-RU" smtClean="0"/>
-              <a:t>28.03.2019</a:t>
+              <a:t>30.03.2019</a:t>
             </a:fld>
             <a:endParaRPr lang="ru-RU"/>
           </a:p>
@@ -982,7 +982,7 @@
           <a:p>
             <a:fld id="{55866227-17E6-4C99-A3D0-D48831693C74}" type="datetimeFigureOut">
               <a:rPr lang="ru-RU" smtClean="0"/>
-              <a:t>28.03.2019</a:t>
+              <a:t>30.03.2019</a:t>
             </a:fld>
             <a:endParaRPr lang="ru-RU"/>
           </a:p>
@@ -1325,7 +1325,7 @@
           <a:p>
             <a:fld id="{55866227-17E6-4C99-A3D0-D48831693C74}" type="datetimeFigureOut">
               <a:rPr lang="ru-RU" smtClean="0"/>
-              <a:t>28.03.2019</a:t>
+              <a:t>30.03.2019</a:t>
             </a:fld>
             <a:endParaRPr lang="ru-RU"/>
           </a:p>
@@ -1600,7 +1600,7 @@
           <a:p>
             <a:fld id="{55866227-17E6-4C99-A3D0-D48831693C74}" type="datetimeFigureOut">
               <a:rPr lang="ru-RU" smtClean="0"/>
-              <a:t>28.03.2019</a:t>
+              <a:t>30.03.2019</a:t>
             </a:fld>
             <a:endParaRPr lang="ru-RU"/>
           </a:p>
@@ -1979,7 +1979,7 @@
           <a:p>
             <a:fld id="{55866227-17E6-4C99-A3D0-D48831693C74}" type="datetimeFigureOut">
               <a:rPr lang="ru-RU" smtClean="0"/>
-              <a:t>28.03.2019</a:t>
+              <a:t>30.03.2019</a:t>
             </a:fld>
             <a:endParaRPr lang="ru-RU"/>
           </a:p>
@@ -2097,7 +2097,7 @@
           <a:p>
             <a:fld id="{55866227-17E6-4C99-A3D0-D48831693C74}" type="datetimeFigureOut">
               <a:rPr lang="ru-RU" smtClean="0"/>
-              <a:t>28.03.2019</a:t>
+              <a:t>30.03.2019</a:t>
             </a:fld>
             <a:endParaRPr lang="ru-RU"/>
           </a:p>
@@ -2268,7 +2268,7 @@
           <a:p>
             <a:fld id="{55866227-17E6-4C99-A3D0-D48831693C74}" type="datetimeFigureOut">
               <a:rPr lang="ru-RU" smtClean="0"/>
-              <a:t>28.03.2019</a:t>
+              <a:t>30.03.2019</a:t>
             </a:fld>
             <a:endParaRPr lang="ru-RU"/>
           </a:p>
@@ -2622,7 +2622,7 @@
           <a:p>
             <a:fld id="{55866227-17E6-4C99-A3D0-D48831693C74}" type="datetimeFigureOut">
               <a:rPr lang="ru-RU" smtClean="0"/>
-              <a:t>28.03.2019</a:t>
+              <a:t>30.03.2019</a:t>
             </a:fld>
             <a:endParaRPr lang="ru-RU"/>
           </a:p>
@@ -3004,7 +3004,7 @@
           <a:p>
             <a:fld id="{55866227-17E6-4C99-A3D0-D48831693C74}" type="datetimeFigureOut">
               <a:rPr lang="ru-RU" smtClean="0"/>
-              <a:t>28.03.2019</a:t>
+              <a:t>30.03.2019</a:t>
             </a:fld>
             <a:endParaRPr lang="ru-RU"/>
           </a:p>
@@ -3291,7 +3291,7 @@
           <a:p>
             <a:fld id="{55866227-17E6-4C99-A3D0-D48831693C74}" type="datetimeFigureOut">
               <a:rPr lang="ru-RU" smtClean="0"/>
-              <a:t>28.03.2019</a:t>
+              <a:t>30.03.2019</a:t>
             </a:fld>
             <a:endParaRPr lang="ru-RU"/>
           </a:p>
@@ -4031,7 +4031,19 @@
           <a:p>
             <a:r>
               <a:rPr lang="ru-RU" sz="2400" dirty="0"/>
-              <a:t>В игре присутствуют классы и их наследование, применяется работа с базой данных –добавление, обновление и удаление записей. Присутствует разделение уровней пользователей: незарегистрированный пользователь может только видеть список книг, зарегистрированный пользователь может просматривать книги и их описание, опытный пользователь может добавлять книги и редактировать свои книги, а администратор может удалять и изменять все книги, просматривать список пользователей и блокировать </a:t>
+              <a:t>В </a:t>
+            </a:r>
+            <a:r>
+              <a:rPr lang="ru-RU" sz="2400" dirty="0" smtClean="0"/>
+              <a:t>проекте</a:t>
+            </a:r>
+            <a:r>
+              <a:rPr lang="ru-RU" sz="2400" dirty="0" smtClean="0"/>
+              <a:t> </a:t>
+            </a:r>
+            <a:r>
+              <a:rPr lang="ru-RU" sz="2400" dirty="0"/>
+              <a:t>присутствуют классы и их наследование, применяется работа с базой данных –добавление, обновление и удаление записей. Присутствует разделение уровней пользователей: незарегистрированный пользователь может только видеть список книг, зарегистрированный пользователь может просматривать книги и их описание, опытный пользователь может добавлять книги и редактировать свои книги, а администратор может удалять и изменять все книги, просматривать список пользователей и блокировать </a:t>
             </a:r>
             <a:r>
               <a:rPr lang="ru-RU" sz="2400" dirty="0" smtClean="0"/>
@@ -4167,19 +4179,137 @@
             </a:r>
             <a:r>
               <a:rPr lang="ru-RU" sz="2400" dirty="0"/>
-              <a:t>3, классы и их наследование. Всего в проекте, учитывая </a:t>
-            </a:r>
-            <a:r>
-              <a:rPr lang="en-US" sz="2400" dirty="0"/>
-              <a:t>html-</a:t>
-            </a:r>
-            <a:r>
-              <a:rPr lang="ru-RU" sz="2400" dirty="0"/>
-              <a:t>файлы, насчитывается более 500 строк</a:t>
+              <a:t>3, классы и их наследование</a:t>
             </a:r>
             <a:r>
               <a:rPr lang="ru-RU" sz="2400" dirty="0" smtClean="0"/>
               <a:t>.</a:t>
+            </a:r>
+            <a:r>
+              <a:rPr lang="ru-RU" sz="2400" dirty="0"/>
+              <a:t> Основные </a:t>
+            </a:r>
+            <a:r>
+              <a:rPr lang="ru-RU" sz="2400" dirty="0" smtClean="0"/>
+              <a:t>классы:</a:t>
+            </a:r>
+            <a:r>
+              <a:rPr lang="en-US" sz="2400" dirty="0" smtClean="0"/>
+              <a:t> DB</a:t>
+            </a:r>
+            <a:r>
+              <a:rPr lang="ru-RU" sz="2400" dirty="0"/>
+              <a:t>, </a:t>
+            </a:r>
+            <a:r>
+              <a:rPr lang="en-US" sz="2400" dirty="0" err="1"/>
+              <a:t>BooksModel</a:t>
+            </a:r>
+            <a:r>
+              <a:rPr lang="en-US" sz="2400" dirty="0"/>
+              <a:t> </a:t>
+            </a:r>
+            <a:r>
+              <a:rPr lang="ru-RU" sz="2400" dirty="0"/>
+              <a:t>и </a:t>
+            </a:r>
+            <a:r>
+              <a:rPr lang="en-US" sz="2400" dirty="0" err="1"/>
+              <a:t>UsersModel</a:t>
+            </a:r>
+            <a:r>
+              <a:rPr lang="en-US" sz="2400" dirty="0"/>
+              <a:t> </a:t>
+            </a:r>
+            <a:r>
+              <a:rPr lang="ru-RU" sz="2400" dirty="0"/>
+              <a:t>– классы базы и </a:t>
+            </a:r>
+            <a:r>
+              <a:rPr lang="ru-RU" sz="2400" dirty="0" smtClean="0"/>
+              <a:t>таблиц</a:t>
+            </a:r>
+            <a:r>
+              <a:rPr lang="en-US" sz="2400" dirty="0" smtClean="0"/>
+              <a:t>;</a:t>
+            </a:r>
+            <a:r>
+              <a:rPr lang="en-US" sz="2400" dirty="0"/>
+              <a:t> </a:t>
+            </a:r>
+            <a:r>
+              <a:rPr lang="en-US" sz="2400" dirty="0" err="1" smtClean="0"/>
+              <a:t>ViewBookForm</a:t>
+            </a:r>
+            <a:r>
+              <a:rPr lang="ru-RU" sz="2400" dirty="0"/>
+              <a:t>, </a:t>
+            </a:r>
+            <a:r>
+              <a:rPr lang="en-US" sz="2400" dirty="0" err="1"/>
+              <a:t>AddFileBookForm</a:t>
+            </a:r>
+            <a:r>
+              <a:rPr lang="ru-RU" sz="2400" dirty="0"/>
+              <a:t>, </a:t>
+            </a:r>
+            <a:r>
+              <a:rPr lang="en-US" sz="2400" dirty="0" err="1"/>
+              <a:t>AddBookForm</a:t>
+            </a:r>
+            <a:r>
+              <a:rPr lang="ru-RU" sz="2400" dirty="0"/>
+              <a:t>(наследуется от </a:t>
+            </a:r>
+            <a:r>
+              <a:rPr lang="en-US" sz="2400" dirty="0" err="1"/>
+              <a:t>ViewBookForm</a:t>
+            </a:r>
+            <a:r>
+              <a:rPr lang="ru-RU" sz="2400" dirty="0"/>
+              <a:t>) , </a:t>
+            </a:r>
+            <a:r>
+              <a:rPr lang="en-US" sz="2400" dirty="0" err="1"/>
+              <a:t>ModifyBookForm</a:t>
+            </a:r>
+            <a:r>
+              <a:rPr lang="ru-RU" sz="2400" dirty="0"/>
+              <a:t>(наследуется от </a:t>
+            </a:r>
+            <a:r>
+              <a:rPr lang="en-US" sz="2400" dirty="0" err="1"/>
+              <a:t>ViewBookForm</a:t>
+            </a:r>
+            <a:r>
+              <a:rPr lang="ru-RU" sz="2400" dirty="0"/>
+              <a:t>), </a:t>
+            </a:r>
+            <a:r>
+              <a:rPr lang="en-US" sz="2400" dirty="0" err="1"/>
+              <a:t>LoginForm</a:t>
+            </a:r>
+            <a:r>
+              <a:rPr lang="ru-RU" sz="2400" dirty="0"/>
+              <a:t>, </a:t>
+            </a:r>
+            <a:r>
+              <a:rPr lang="en-US" sz="2400" dirty="0" err="1"/>
+              <a:t>RegisterForm</a:t>
+            </a:r>
+            <a:r>
+              <a:rPr lang="en-US" sz="2400" dirty="0"/>
+              <a:t> </a:t>
+            </a:r>
+            <a:r>
+              <a:rPr lang="ru-RU" sz="2400" dirty="0"/>
+              <a:t>– классы форм.</a:t>
+            </a:r>
+          </a:p>
+          <a:p>
+            <a:r>
+              <a:rPr lang="ru-RU" sz="2400" dirty="0" smtClean="0"/>
+              <a:t> </a:t>
             </a:r>
             <a:endParaRPr lang="ru-RU" sz="2400" dirty="0"/>
           </a:p>
